--- a/clock-master/clock_task_instruction.pptx
+++ b/clock-master/clock_task_instruction.pptx
@@ -5,19 +5,18 @@
     <p:sldMasterId id="2147483648" r:id="rId1"/>
   </p:sldMasterIdLst>
   <p:notesMasterIdLst>
-    <p:notesMasterId r:id="rId9"/>
+    <p:notesMasterId r:id="rId8"/>
   </p:notesMasterIdLst>
   <p:handoutMasterIdLst>
-    <p:handoutMasterId r:id="rId10"/>
+    <p:handoutMasterId r:id="rId9"/>
   </p:handoutMasterIdLst>
   <p:sldIdLst>
     <p:sldId id="462" r:id="rId2"/>
     <p:sldId id="479" r:id="rId3"/>
     <p:sldId id="631" r:id="rId4"/>
-    <p:sldId id="632" r:id="rId5"/>
-    <p:sldId id="474" r:id="rId6"/>
-    <p:sldId id="618" r:id="rId7"/>
-    <p:sldId id="605" r:id="rId8"/>
+    <p:sldId id="474" r:id="rId5"/>
+    <p:sldId id="618" r:id="rId6"/>
+    <p:sldId id="605" r:id="rId7"/>
   </p:sldIdLst>
   <p:sldSz cx="12192000" cy="6858000"/>
   <p:notesSz cx="6858000" cy="9144000"/>
@@ -254,7 +253,7 @@
           <a:p>
             <a:fld id="{BD82A94B-8595-419C-BF57-D51AB33609D1}" type="datetimeFigureOut">
               <a:rPr lang="en-US" smtClean="0"/>
-              <a:t>2/22/2024</a:t>
+              <a:t>2/26/2024</a:t>
             </a:fld>
             <a:endParaRPr lang="en-US" dirty="0"/>
           </a:p>
@@ -431,7 +430,7 @@
           <a:p>
             <a:fld id="{652BB16F-2169-4A0F-818F-214041E36035}" type="datetimeFigureOut">
               <a:rPr lang="en-GB" smtClean="0"/>
-              <a:t>22/02/2024</a:t>
+              <a:t>26/02/2024</a:t>
             </a:fld>
             <a:endParaRPr lang="en-GB" dirty="0"/>
           </a:p>
@@ -1007,94 +1006,6 @@
           <a:bodyPr/>
           <a:lstStyle/>
           <a:p>
-            <a:r>
-              <a:rPr lang="en-US" altLang="zh-HK" dirty="0"/>
-              <a:t>S1 onset</a:t>
-            </a:r>
-            <a:endParaRPr lang="zh-HK" altLang="en-US" dirty="0"/>
-          </a:p>
-        </p:txBody>
-      </p:sp>
-      <p:sp>
-        <p:nvSpPr>
-          <p:cNvPr id="4" name="Slide Number Placeholder 3"/>
-          <p:cNvSpPr>
-            <a:spLocks noGrp="1"/>
-          </p:cNvSpPr>
-          <p:nvPr>
-            <p:ph type="sldNum" sz="quarter" idx="5"/>
-          </p:nvPr>
-        </p:nvSpPr>
-        <p:spPr/>
-        <p:txBody>
-          <a:bodyPr/>
-          <a:lstStyle/>
-          <a:p>
-            <a:fld id="{EFB1C814-5629-4CB9-A579-94B764A1EBE2}" type="slidenum">
-              <a:rPr lang="zh-HK" altLang="en-US" smtClean="0"/>
-              <a:t>4</a:t>
-            </a:fld>
-            <a:endParaRPr lang="zh-HK" altLang="en-US"/>
-          </a:p>
-        </p:txBody>
-      </p:sp>
-    </p:spTree>
-    <p:extLst>
-      <p:ext uri="{BB962C8B-B14F-4D97-AF65-F5344CB8AC3E}">
-        <p14:creationId xmlns:p14="http://schemas.microsoft.com/office/powerpoint/2010/main" val="57024265"/>
-      </p:ext>
-    </p:extLst>
-  </p:cSld>
-  <p:clrMapOvr>
-    <a:masterClrMapping/>
-  </p:clrMapOvr>
-</p:notes>
-</file>
-
-<file path=ppt/notesSlides/notesSlide5.xml><?xml version="1.0" encoding="utf-8"?>
-<p:notes xmlns:a="http://schemas.openxmlformats.org/drawingml/2006/main" xmlns:r="http://schemas.openxmlformats.org/officeDocument/2006/relationships" xmlns:p="http://schemas.openxmlformats.org/presentationml/2006/main">
-  <p:cSld>
-    <p:spTree>
-      <p:nvGrpSpPr>
-        <p:cNvPr id="1" name=""/>
-        <p:cNvGrpSpPr/>
-        <p:nvPr/>
-      </p:nvGrpSpPr>
-      <p:grpSpPr>
-        <a:xfrm>
-          <a:off x="0" y="0"/>
-          <a:ext cx="0" cy="0"/>
-          <a:chOff x="0" y="0"/>
-          <a:chExt cx="0" cy="0"/>
-        </a:xfrm>
-      </p:grpSpPr>
-      <p:sp>
-        <p:nvSpPr>
-          <p:cNvPr id="2" name="Slide Image Placeholder 1"/>
-          <p:cNvSpPr>
-            <a:spLocks noGrp="1" noRot="1" noChangeAspect="1"/>
-          </p:cNvSpPr>
-          <p:nvPr>
-            <p:ph type="sldImg"/>
-          </p:nvPr>
-        </p:nvSpPr>
-        <p:spPr/>
-      </p:sp>
-      <p:sp>
-        <p:nvSpPr>
-          <p:cNvPr id="3" name="Notes Placeholder 2"/>
-          <p:cNvSpPr>
-            <a:spLocks noGrp="1"/>
-          </p:cNvSpPr>
-          <p:nvPr>
-            <p:ph type="body" idx="1"/>
-          </p:nvPr>
-        </p:nvSpPr>
-        <p:spPr/>
-        <p:txBody>
-          <a:bodyPr/>
-          <a:lstStyle/>
-          <a:p>
             <a:endParaRPr lang="zh-HK" altLang="en-US" dirty="0"/>
           </a:p>
         </p:txBody>
@@ -1116,7 +1027,7 @@
           <a:p>
             <a:fld id="{85522B51-E2AB-4BF4-A91F-416D8CC31592}" type="slidenum">
               <a:rPr lang="en-GB" smtClean="0"/>
-              <a:t>5</a:t>
+              <a:t>4</a:t>
             </a:fld>
             <a:endParaRPr lang="en-GB" dirty="0"/>
           </a:p>
@@ -1274,7 +1185,7 @@
           <a:p>
             <a:fld id="{724A9933-0BD2-45EA-8819-99110733ED14}" type="datetimeFigureOut">
               <a:rPr lang="en-GB" smtClean="0"/>
-              <a:t>22/02/2024</a:t>
+              <a:t>26/02/2024</a:t>
             </a:fld>
             <a:endParaRPr lang="en-GB" dirty="0"/>
           </a:p>
@@ -1444,7 +1355,7 @@
           <a:p>
             <a:fld id="{724A9933-0BD2-45EA-8819-99110733ED14}" type="datetimeFigureOut">
               <a:rPr lang="en-GB" smtClean="0"/>
-              <a:t>22/02/2024</a:t>
+              <a:t>26/02/2024</a:t>
             </a:fld>
             <a:endParaRPr lang="en-GB" dirty="0"/>
           </a:p>
@@ -1624,7 +1535,7 @@
           <a:p>
             <a:fld id="{724A9933-0BD2-45EA-8819-99110733ED14}" type="datetimeFigureOut">
               <a:rPr lang="en-GB" smtClean="0"/>
-              <a:t>22/02/2024</a:t>
+              <a:t>26/02/2024</a:t>
             </a:fld>
             <a:endParaRPr lang="en-GB" dirty="0"/>
           </a:p>
@@ -1838,7 +1749,7 @@
           <a:p>
             <a:fld id="{724A9933-0BD2-45EA-8819-99110733ED14}" type="datetimeFigureOut">
               <a:rPr lang="en-GB" smtClean="0"/>
-              <a:t>22/02/2024</a:t>
+              <a:t>26/02/2024</a:t>
             </a:fld>
             <a:endParaRPr lang="en-GB" dirty="0"/>
           </a:p>
@@ -2084,7 +1995,7 @@
           <a:p>
             <a:fld id="{724A9933-0BD2-45EA-8819-99110733ED14}" type="datetimeFigureOut">
               <a:rPr lang="en-GB" smtClean="0"/>
-              <a:t>22/02/2024</a:t>
+              <a:t>26/02/2024</a:t>
             </a:fld>
             <a:endParaRPr lang="en-GB" dirty="0"/>
           </a:p>
@@ -2316,7 +2227,7 @@
           <a:p>
             <a:fld id="{724A9933-0BD2-45EA-8819-99110733ED14}" type="datetimeFigureOut">
               <a:rPr lang="en-GB" smtClean="0"/>
-              <a:t>22/02/2024</a:t>
+              <a:t>26/02/2024</a:t>
             </a:fld>
             <a:endParaRPr lang="en-GB" dirty="0"/>
           </a:p>
@@ -2683,7 +2594,7 @@
           <a:p>
             <a:fld id="{724A9933-0BD2-45EA-8819-99110733ED14}" type="datetimeFigureOut">
               <a:rPr lang="en-GB" smtClean="0"/>
-              <a:t>22/02/2024</a:t>
+              <a:t>26/02/2024</a:t>
             </a:fld>
             <a:endParaRPr lang="en-GB" dirty="0"/>
           </a:p>
@@ -2801,7 +2712,7 @@
           <a:p>
             <a:fld id="{724A9933-0BD2-45EA-8819-99110733ED14}" type="datetimeFigureOut">
               <a:rPr lang="en-GB" smtClean="0"/>
-              <a:t>22/02/2024</a:t>
+              <a:t>26/02/2024</a:t>
             </a:fld>
             <a:endParaRPr lang="en-GB" dirty="0"/>
           </a:p>
@@ -2896,7 +2807,7 @@
           <a:p>
             <a:fld id="{724A9933-0BD2-45EA-8819-99110733ED14}" type="datetimeFigureOut">
               <a:rPr lang="en-GB" smtClean="0"/>
-              <a:t>22/02/2024</a:t>
+              <a:t>26/02/2024</a:t>
             </a:fld>
             <a:endParaRPr lang="en-GB" dirty="0"/>
           </a:p>
@@ -3173,7 +3084,7 @@
           <a:p>
             <a:fld id="{724A9933-0BD2-45EA-8819-99110733ED14}" type="datetimeFigureOut">
               <a:rPr lang="en-GB" smtClean="0"/>
-              <a:t>22/02/2024</a:t>
+              <a:t>26/02/2024</a:t>
             </a:fld>
             <a:endParaRPr lang="en-GB" dirty="0"/>
           </a:p>
@@ -3426,7 +3337,7 @@
           <a:p>
             <a:fld id="{724A9933-0BD2-45EA-8819-99110733ED14}" type="datetimeFigureOut">
               <a:rPr lang="en-GB" smtClean="0"/>
-              <a:t>22/02/2024</a:t>
+              <a:t>26/02/2024</a:t>
             </a:fld>
             <a:endParaRPr lang="en-GB" dirty="0"/>
           </a:p>
@@ -3642,7 +3553,7 @@
           <a:p>
             <a:fld id="{724A9933-0BD2-45EA-8819-99110733ED14}" type="datetimeFigureOut">
               <a:rPr lang="en-GB" smtClean="0"/>
-              <a:t>22/02/2024</a:t>
+              <a:t>26/02/2024</a:t>
             </a:fld>
             <a:endParaRPr lang="en-GB" dirty="0"/>
           </a:p>
@@ -4452,6 +4363,91 @@
           </a:p>
         </p:txBody>
       </p:sp>
+      <p:pic>
+        <p:nvPicPr>
+          <p:cNvPr id="4" name="Picture 3">
+            <a:extLst>
+              <a:ext uri="{FF2B5EF4-FFF2-40B4-BE49-F238E27FC236}">
+                <a16:creationId xmlns:a16="http://schemas.microsoft.com/office/drawing/2014/main" id="{E246DAE0-3EA1-43D6-976B-DA6D81DC38D2}"/>
+              </a:ext>
+            </a:extLst>
+          </p:cNvPr>
+          <p:cNvPicPr>
+            <a:picLocks noChangeAspect="1"/>
+          </p:cNvPicPr>
+          <p:nvPr/>
+        </p:nvPicPr>
+        <p:blipFill>
+          <a:blip r:embed="rId4"/>
+          <a:stretch>
+            <a:fillRect/>
+          </a:stretch>
+        </p:blipFill>
+        <p:spPr>
+          <a:xfrm>
+            <a:off x="8506098" y="679278"/>
+            <a:ext cx="2857143" cy="2857143"/>
+          </a:xfrm>
+          <a:prstGeom prst="rect">
+            <a:avLst/>
+          </a:prstGeom>
+        </p:spPr>
+      </p:pic>
+      <p:sp>
+        <p:nvSpPr>
+          <p:cNvPr id="5" name="Partial Circle 4">
+            <a:extLst>
+              <a:ext uri="{FF2B5EF4-FFF2-40B4-BE49-F238E27FC236}">
+                <a16:creationId xmlns:a16="http://schemas.microsoft.com/office/drawing/2014/main" id="{FF1C469A-F014-404C-AD0E-1042523B3863}"/>
+              </a:ext>
+            </a:extLst>
+          </p:cNvPr>
+          <p:cNvSpPr/>
+          <p:nvPr/>
+        </p:nvSpPr>
+        <p:spPr>
+          <a:xfrm rot="10800000">
+            <a:off x="8576649" y="731723"/>
+            <a:ext cx="2716040" cy="2752251"/>
+          </a:xfrm>
+          <a:prstGeom prst="pie">
+            <a:avLst/>
+          </a:prstGeom>
+          <a:solidFill>
+            <a:srgbClr val="FF0000">
+              <a:alpha val="80000"/>
+            </a:srgbClr>
+          </a:solidFill>
+        </p:spPr>
+        <p:style>
+          <a:lnRef idx="2">
+            <a:schemeClr val="accent1">
+              <a:shade val="50000"/>
+            </a:schemeClr>
+          </a:lnRef>
+          <a:fillRef idx="1">
+            <a:schemeClr val="accent1"/>
+          </a:fillRef>
+          <a:effectRef idx="0">
+            <a:schemeClr val="accent1"/>
+          </a:effectRef>
+          <a:fontRef idx="minor">
+            <a:schemeClr val="lt1"/>
+          </a:fontRef>
+        </p:style>
+        <p:txBody>
+          <a:bodyPr rtlCol="0" anchor="ctr"/>
+          <a:lstStyle/>
+          <a:p>
+            <a:pPr algn="ctr"/>
+            <a:endParaRPr lang="en-HK">
+              <a:solidFill>
+                <a:schemeClr val="tx1"/>
+              </a:solidFill>
+            </a:endParaRPr>
+          </a:p>
+        </p:txBody>
+      </p:sp>
     </p:spTree>
     <p:extLst>
       <p:ext uri="{BB962C8B-B14F-4D97-AF65-F5344CB8AC3E}">
@@ -4462,6 +4458,323 @@
   <p:clrMapOvr>
     <a:masterClrMapping/>
   </p:clrMapOvr>
+  <p:timing>
+    <p:tnLst>
+      <p:par>
+        <p:cTn id="1" dur="indefinite" restart="never" nodeType="tmRoot">
+          <p:childTnLst>
+            <p:seq concurrent="1" nextAc="seek">
+              <p:cTn id="2" dur="indefinite" nodeType="mainSeq">
+                <p:childTnLst>
+                  <p:par>
+                    <p:cTn id="3" fill="hold">
+                      <p:stCondLst>
+                        <p:cond delay="indefinite"/>
+                      </p:stCondLst>
+                      <p:childTnLst>
+                        <p:par>
+                          <p:cTn id="4" fill="hold">
+                            <p:stCondLst>
+                              <p:cond delay="0"/>
+                            </p:stCondLst>
+                            <p:childTnLst>
+                              <p:par>
+                                <p:cTn id="5" presetID="10" presetClass="entr" presetSubtype="0" fill="hold" grpId="0" nodeType="clickEffect">
+                                  <p:stCondLst>
+                                    <p:cond delay="0"/>
+                                  </p:stCondLst>
+                                  <p:childTnLst>
+                                    <p:set>
+                                      <p:cBhvr>
+                                        <p:cTn id="6" dur="1" fill="hold">
+                                          <p:stCondLst>
+                                            <p:cond delay="0"/>
+                                          </p:stCondLst>
+                                        </p:cTn>
+                                        <p:tgtEl>
+                                          <p:spTgt spid="21"/>
+                                        </p:tgtEl>
+                                        <p:attrNameLst>
+                                          <p:attrName>style.visibility</p:attrName>
+                                        </p:attrNameLst>
+                                      </p:cBhvr>
+                                      <p:to>
+                                        <p:strVal val="visible"/>
+                                      </p:to>
+                                    </p:set>
+                                    <p:animEffect transition="in" filter="fade">
+                                      <p:cBhvr>
+                                        <p:cTn id="7" dur="500"/>
+                                        <p:tgtEl>
+                                          <p:spTgt spid="21"/>
+                                        </p:tgtEl>
+                                      </p:cBhvr>
+                                    </p:animEffect>
+                                  </p:childTnLst>
+                                </p:cTn>
+                              </p:par>
+                              <p:par>
+                                <p:cTn id="8" presetID="10" presetClass="entr" presetSubtype="0" fill="hold" nodeType="withEffect">
+                                  <p:stCondLst>
+                                    <p:cond delay="0"/>
+                                  </p:stCondLst>
+                                  <p:childTnLst>
+                                    <p:set>
+                                      <p:cBhvr>
+                                        <p:cTn id="9" dur="1" fill="hold">
+                                          <p:stCondLst>
+                                            <p:cond delay="0"/>
+                                          </p:stCondLst>
+                                        </p:cTn>
+                                        <p:tgtEl>
+                                          <p:spTgt spid="22"/>
+                                        </p:tgtEl>
+                                        <p:attrNameLst>
+                                          <p:attrName>style.visibility</p:attrName>
+                                        </p:attrNameLst>
+                                      </p:cBhvr>
+                                      <p:to>
+                                        <p:strVal val="visible"/>
+                                      </p:to>
+                                    </p:set>
+                                    <p:animEffect transition="in" filter="fade">
+                                      <p:cBhvr>
+                                        <p:cTn id="10" dur="500"/>
+                                        <p:tgtEl>
+                                          <p:spTgt spid="22"/>
+                                        </p:tgtEl>
+                                      </p:cBhvr>
+                                    </p:animEffect>
+                                  </p:childTnLst>
+                                </p:cTn>
+                              </p:par>
+                            </p:childTnLst>
+                          </p:cTn>
+                        </p:par>
+                      </p:childTnLst>
+                    </p:cTn>
+                  </p:par>
+                  <p:par>
+                    <p:cTn id="11" fill="hold">
+                      <p:stCondLst>
+                        <p:cond delay="indefinite"/>
+                      </p:stCondLst>
+                      <p:childTnLst>
+                        <p:par>
+                          <p:cTn id="12" fill="hold">
+                            <p:stCondLst>
+                              <p:cond delay="0"/>
+                            </p:stCondLst>
+                            <p:childTnLst>
+                              <p:par>
+                                <p:cTn id="13" presetID="10" presetClass="entr" presetSubtype="0" fill="hold" grpId="0" nodeType="clickEffect">
+                                  <p:stCondLst>
+                                    <p:cond delay="0"/>
+                                  </p:stCondLst>
+                                  <p:childTnLst>
+                                    <p:set>
+                                      <p:cBhvr>
+                                        <p:cTn id="14" dur="1" fill="hold">
+                                          <p:stCondLst>
+                                            <p:cond delay="0"/>
+                                          </p:stCondLst>
+                                        </p:cTn>
+                                        <p:tgtEl>
+                                          <p:spTgt spid="26"/>
+                                        </p:tgtEl>
+                                        <p:attrNameLst>
+                                          <p:attrName>style.visibility</p:attrName>
+                                        </p:attrNameLst>
+                                      </p:cBhvr>
+                                      <p:to>
+                                        <p:strVal val="visible"/>
+                                      </p:to>
+                                    </p:set>
+                                    <p:animEffect transition="in" filter="fade">
+                                      <p:cBhvr>
+                                        <p:cTn id="15" dur="500"/>
+                                        <p:tgtEl>
+                                          <p:spTgt spid="26"/>
+                                        </p:tgtEl>
+                                      </p:cBhvr>
+                                    </p:animEffect>
+                                  </p:childTnLst>
+                                </p:cTn>
+                              </p:par>
+                              <p:par>
+                                <p:cTn id="16" presetID="10" presetClass="entr" presetSubtype="0" fill="hold" nodeType="withEffect">
+                                  <p:stCondLst>
+                                    <p:cond delay="0"/>
+                                  </p:stCondLst>
+                                  <p:childTnLst>
+                                    <p:set>
+                                      <p:cBhvr>
+                                        <p:cTn id="17" dur="1" fill="hold">
+                                          <p:stCondLst>
+                                            <p:cond delay="0"/>
+                                          </p:stCondLst>
+                                        </p:cTn>
+                                        <p:tgtEl>
+                                          <p:spTgt spid="24"/>
+                                        </p:tgtEl>
+                                        <p:attrNameLst>
+                                          <p:attrName>style.visibility</p:attrName>
+                                        </p:attrNameLst>
+                                      </p:cBhvr>
+                                      <p:to>
+                                        <p:strVal val="visible"/>
+                                      </p:to>
+                                    </p:set>
+                                    <p:animEffect transition="in" filter="fade">
+                                      <p:cBhvr>
+                                        <p:cTn id="18" dur="500"/>
+                                        <p:tgtEl>
+                                          <p:spTgt spid="24"/>
+                                        </p:tgtEl>
+                                      </p:cBhvr>
+                                    </p:animEffect>
+                                  </p:childTnLst>
+                                </p:cTn>
+                              </p:par>
+                            </p:childTnLst>
+                          </p:cTn>
+                        </p:par>
+                      </p:childTnLst>
+                    </p:cTn>
+                  </p:par>
+                  <p:par>
+                    <p:cTn id="19" fill="hold">
+                      <p:stCondLst>
+                        <p:cond delay="indefinite"/>
+                      </p:stCondLst>
+                      <p:childTnLst>
+                        <p:par>
+                          <p:cTn id="20" fill="hold">
+                            <p:stCondLst>
+                              <p:cond delay="0"/>
+                            </p:stCondLst>
+                            <p:childTnLst>
+                              <p:par>
+                                <p:cTn id="21" presetID="10" presetClass="entr" presetSubtype="0" fill="hold" nodeType="clickEffect">
+                                  <p:stCondLst>
+                                    <p:cond delay="0"/>
+                                  </p:stCondLst>
+                                  <p:childTnLst>
+                                    <p:set>
+                                      <p:cBhvr>
+                                        <p:cTn id="22" dur="1" fill="hold">
+                                          <p:stCondLst>
+                                            <p:cond delay="0"/>
+                                          </p:stCondLst>
+                                        </p:cTn>
+                                        <p:tgtEl>
+                                          <p:spTgt spid="4"/>
+                                        </p:tgtEl>
+                                        <p:attrNameLst>
+                                          <p:attrName>style.visibility</p:attrName>
+                                        </p:attrNameLst>
+                                      </p:cBhvr>
+                                      <p:to>
+                                        <p:strVal val="visible"/>
+                                      </p:to>
+                                    </p:set>
+                                    <p:animEffect transition="in" filter="fade">
+                                      <p:cBhvr>
+                                        <p:cTn id="23" dur="500"/>
+                                        <p:tgtEl>
+                                          <p:spTgt spid="4"/>
+                                        </p:tgtEl>
+                                      </p:cBhvr>
+                                    </p:animEffect>
+                                  </p:childTnLst>
+                                </p:cTn>
+                              </p:par>
+                            </p:childTnLst>
+                          </p:cTn>
+                        </p:par>
+                      </p:childTnLst>
+                    </p:cTn>
+                  </p:par>
+                  <p:par>
+                    <p:cTn id="24" fill="hold">
+                      <p:stCondLst>
+                        <p:cond delay="indefinite"/>
+                      </p:stCondLst>
+                      <p:childTnLst>
+                        <p:par>
+                          <p:cTn id="25" fill="hold">
+                            <p:stCondLst>
+                              <p:cond delay="0"/>
+                            </p:stCondLst>
+                            <p:childTnLst>
+                              <p:par>
+                                <p:cTn id="26" presetID="10" presetClass="entr" presetSubtype="0" fill="hold" grpId="0" nodeType="clickEffect">
+                                  <p:stCondLst>
+                                    <p:cond delay="0"/>
+                                  </p:stCondLst>
+                                  <p:childTnLst>
+                                    <p:set>
+                                      <p:cBhvr>
+                                        <p:cTn id="27" dur="1" fill="hold">
+                                          <p:stCondLst>
+                                            <p:cond delay="0"/>
+                                          </p:stCondLst>
+                                        </p:cTn>
+                                        <p:tgtEl>
+                                          <p:spTgt spid="5"/>
+                                        </p:tgtEl>
+                                        <p:attrNameLst>
+                                          <p:attrName>style.visibility</p:attrName>
+                                        </p:attrNameLst>
+                                      </p:cBhvr>
+                                      <p:to>
+                                        <p:strVal val="visible"/>
+                                      </p:to>
+                                    </p:set>
+                                    <p:animEffect transition="in" filter="fade">
+                                      <p:cBhvr>
+                                        <p:cTn id="28" dur="500"/>
+                                        <p:tgtEl>
+                                          <p:spTgt spid="5"/>
+                                        </p:tgtEl>
+                                      </p:cBhvr>
+                                    </p:animEffect>
+                                  </p:childTnLst>
+                                </p:cTn>
+                              </p:par>
+                            </p:childTnLst>
+                          </p:cTn>
+                        </p:par>
+                      </p:childTnLst>
+                    </p:cTn>
+                  </p:par>
+                </p:childTnLst>
+              </p:cTn>
+              <p:prevCondLst>
+                <p:cond evt="onPrev" delay="0">
+                  <p:tgtEl>
+                    <p:sldTgt/>
+                  </p:tgtEl>
+                </p:cond>
+              </p:prevCondLst>
+              <p:nextCondLst>
+                <p:cond evt="onNext" delay="0">
+                  <p:tgtEl>
+                    <p:sldTgt/>
+                  </p:tgtEl>
+                </p:cond>
+              </p:nextCondLst>
+            </p:seq>
+          </p:childTnLst>
+        </p:cTn>
+      </p:par>
+    </p:tnLst>
+    <p:bldLst>
+      <p:bldP spid="21" grpId="0"/>
+      <p:bldP spid="26" grpId="0"/>
+      <p:bldP spid="5" grpId="0" animBg="1"/>
+    </p:bldLst>
+  </p:timing>
 </p:sld>
 </file>
 
@@ -4512,6 +4825,94 @@
           </a:prstGeom>
         </p:spPr>
       </p:pic>
+      <p:pic>
+        <p:nvPicPr>
+          <p:cNvPr id="3" name="Picture 2">
+            <a:extLst>
+              <a:ext uri="{FF2B5EF4-FFF2-40B4-BE49-F238E27FC236}">
+                <a16:creationId xmlns:a16="http://schemas.microsoft.com/office/drawing/2014/main" id="{041130A3-BF98-4A14-B5DE-9930203F74FD}"/>
+              </a:ext>
+            </a:extLst>
+          </p:cNvPr>
+          <p:cNvPicPr>
+            <a:picLocks noChangeAspect="1"/>
+          </p:cNvPicPr>
+          <p:nvPr/>
+        </p:nvPicPr>
+        <p:blipFill>
+          <a:blip r:embed="rId4"/>
+          <a:stretch>
+            <a:fillRect/>
+          </a:stretch>
+        </p:blipFill>
+        <p:spPr>
+          <a:xfrm>
+            <a:off x="8442545" y="723711"/>
+            <a:ext cx="2857500" cy="2857500"/>
+          </a:xfrm>
+          <a:prstGeom prst="rect">
+            <a:avLst/>
+          </a:prstGeom>
+        </p:spPr>
+      </p:pic>
+      <p:sp>
+        <p:nvSpPr>
+          <p:cNvPr id="5" name="Partial Circle 4">
+            <a:extLst>
+              <a:ext uri="{FF2B5EF4-FFF2-40B4-BE49-F238E27FC236}">
+                <a16:creationId xmlns:a16="http://schemas.microsoft.com/office/drawing/2014/main" id="{84FE997E-5CA2-4FDA-8BE9-7D721BE50195}"/>
+              </a:ext>
+            </a:extLst>
+          </p:cNvPr>
+          <p:cNvSpPr/>
+          <p:nvPr/>
+        </p:nvSpPr>
+        <p:spPr>
+          <a:xfrm rot="16200000">
+            <a:off x="8513275" y="776335"/>
+            <a:ext cx="2716040" cy="2752251"/>
+          </a:xfrm>
+          <a:prstGeom prst="pie">
+            <a:avLst>
+              <a:gd name="adj1" fmla="val 1"/>
+              <a:gd name="adj2" fmla="val 16200000"/>
+            </a:avLst>
+          </a:prstGeom>
+          <a:solidFill>
+            <a:srgbClr val="FF0000">
+              <a:alpha val="80000"/>
+            </a:srgbClr>
+          </a:solidFill>
+        </p:spPr>
+        <p:style>
+          <a:lnRef idx="2">
+            <a:schemeClr val="accent1">
+              <a:shade val="50000"/>
+            </a:schemeClr>
+          </a:lnRef>
+          <a:fillRef idx="1">
+            <a:schemeClr val="accent1"/>
+          </a:fillRef>
+          <a:effectRef idx="0">
+            <a:schemeClr val="accent1"/>
+          </a:effectRef>
+          <a:fontRef idx="minor">
+            <a:schemeClr val="lt1"/>
+          </a:fontRef>
+        </p:style>
+        <p:txBody>
+          <a:bodyPr rtlCol="0" anchor="ctr"/>
+          <a:lstStyle/>
+          <a:p>
+            <a:pPr algn="ctr"/>
+            <a:endParaRPr lang="en-HK">
+              <a:solidFill>
+                <a:schemeClr val="tx1"/>
+              </a:solidFill>
+            </a:endParaRPr>
+          </a:p>
+        </p:txBody>
+      </p:sp>
     </p:spTree>
     <p:extLst>
       <p:ext uri="{BB962C8B-B14F-4D97-AF65-F5344CB8AC3E}">
@@ -4522,6 +4923,145 @@
   <p:clrMapOvr>
     <a:masterClrMapping/>
   </p:clrMapOvr>
+  <p:timing>
+    <p:tnLst>
+      <p:par>
+        <p:cTn id="1" dur="indefinite" restart="never" nodeType="tmRoot">
+          <p:childTnLst>
+            <p:seq concurrent="1" nextAc="seek">
+              <p:cTn id="2" dur="indefinite" nodeType="mainSeq">
+                <p:childTnLst>
+                  <p:par>
+                    <p:cTn id="3" fill="hold">
+                      <p:stCondLst>
+                        <p:cond delay="indefinite"/>
+                      </p:stCondLst>
+                      <p:childTnLst>
+                        <p:par>
+                          <p:cTn id="4" fill="hold">
+                            <p:stCondLst>
+                              <p:cond delay="0"/>
+                            </p:stCondLst>
+                            <p:childTnLst>
+                              <p:par>
+                                <p:cTn id="5" presetID="10" presetClass="entr" presetSubtype="0" fill="hold" nodeType="clickEffect">
+                                  <p:stCondLst>
+                                    <p:cond delay="0"/>
+                                  </p:stCondLst>
+                                  <p:childTnLst>
+                                    <p:set>
+                                      <p:cBhvr>
+                                        <p:cTn id="6" dur="1" fill="hold">
+                                          <p:stCondLst>
+                                            <p:cond delay="0"/>
+                                          </p:stCondLst>
+                                        </p:cTn>
+                                        <p:tgtEl>
+                                          <p:spTgt spid="3"/>
+                                        </p:tgtEl>
+                                        <p:attrNameLst>
+                                          <p:attrName>style.visibility</p:attrName>
+                                        </p:attrNameLst>
+                                      </p:cBhvr>
+                                      <p:to>
+                                        <p:strVal val="visible"/>
+                                      </p:to>
+                                    </p:set>
+                                    <p:animEffect transition="in" filter="fade">
+                                      <p:cBhvr>
+                                        <p:cTn id="7" dur="500"/>
+                                        <p:tgtEl>
+                                          <p:spTgt spid="3"/>
+                                        </p:tgtEl>
+                                      </p:cBhvr>
+                                    </p:animEffect>
+                                  </p:childTnLst>
+                                </p:cTn>
+                              </p:par>
+                            </p:childTnLst>
+                          </p:cTn>
+                        </p:par>
+                      </p:childTnLst>
+                    </p:cTn>
+                  </p:par>
+                  <p:par>
+                    <p:cTn id="8" fill="hold">
+                      <p:stCondLst>
+                        <p:cond delay="indefinite"/>
+                      </p:stCondLst>
+                      <p:childTnLst>
+                        <p:par>
+                          <p:cTn id="9" fill="hold">
+                            <p:stCondLst>
+                              <p:cond delay="0"/>
+                            </p:stCondLst>
+                            <p:childTnLst>
+                              <p:par>
+                                <p:cTn id="10" presetID="10" presetClass="entr" presetSubtype="0" fill="hold" grpId="0" nodeType="clickEffect">
+                                  <p:stCondLst>
+                                    <p:cond delay="0"/>
+                                  </p:stCondLst>
+                                  <p:childTnLst>
+                                    <p:set>
+                                      <p:cBhvr>
+                                        <p:cTn id="11" dur="1" fill="hold">
+                                          <p:stCondLst>
+                                            <p:cond delay="0"/>
+                                          </p:stCondLst>
+                                        </p:cTn>
+                                        <p:tgtEl>
+                                          <p:spTgt spid="5"/>
+                                        </p:tgtEl>
+                                        <p:attrNameLst>
+                                          <p:attrName>style.visibility</p:attrName>
+                                        </p:attrNameLst>
+                                      </p:cBhvr>
+                                      <p:to>
+                                        <p:strVal val="visible"/>
+                                      </p:to>
+                                    </p:set>
+                                    <p:animEffect transition="in" filter="fade">
+                                      <p:cBhvr>
+                                        <p:cTn id="12" dur="500"/>
+                                        <p:tgtEl>
+                                          <p:spTgt spid="5"/>
+                                        </p:tgtEl>
+                                      </p:cBhvr>
+                                    </p:animEffect>
+                                  </p:childTnLst>
+                                </p:cTn>
+                              </p:par>
+                            </p:childTnLst>
+                          </p:cTn>
+                        </p:par>
+                      </p:childTnLst>
+                    </p:cTn>
+                  </p:par>
+                </p:childTnLst>
+              </p:cTn>
+              <p:prevCondLst>
+                <p:cond evt="onPrev" delay="0">
+                  <p:tgtEl>
+                    <p:sldTgt/>
+                  </p:tgtEl>
+                </p:cond>
+              </p:prevCondLst>
+              <p:nextCondLst>
+                <p:cond evt="onNext" delay="0">
+                  <p:tgtEl>
+                    <p:sldTgt/>
+                  </p:tgtEl>
+                </p:cond>
+              </p:nextCondLst>
+            </p:seq>
+          </p:childTnLst>
+        </p:cTn>
+      </p:par>
+    </p:tnLst>
+    <p:bldLst>
+      <p:bldP spid="5" grpId="0" animBg="1"/>
+    </p:bldLst>
+  </p:timing>
 </p:sld>
 </file>
 
@@ -4542,40 +5082,51 @@
           <a:chExt cx="0" cy="0"/>
         </a:xfrm>
       </p:grpSpPr>
-      <p:pic>
-        <p:nvPicPr>
-          <p:cNvPr id="4" name="Picture 3">
+      <p:sp>
+        <p:nvSpPr>
+          <p:cNvPr id="2" name="TextBox 1">
             <a:extLst>
               <a:ext uri="{FF2B5EF4-FFF2-40B4-BE49-F238E27FC236}">
-                <a16:creationId xmlns:a16="http://schemas.microsoft.com/office/drawing/2014/main" id="{76AA2FC7-27B9-4D57-922A-6CDE6B1442A5}"/>
+                <a16:creationId xmlns:a16="http://schemas.microsoft.com/office/drawing/2014/main" id="{EF431EDF-338B-459C-A0D1-CA610995C1F2}"/>
               </a:ext>
             </a:extLst>
           </p:cNvPr>
-          <p:cNvPicPr>
-            <a:picLocks noChangeAspect="1"/>
-          </p:cNvPicPr>
+          <p:cNvSpPr txBox="1"/>
           <p:nvPr/>
-        </p:nvPicPr>
-        <p:blipFill>
-          <a:blip r:embed="rId3"/>
-          <a:stretch>
-            <a:fillRect/>
-          </a:stretch>
-        </p:blipFill>
+        </p:nvSpPr>
         <p:spPr>
           <a:xfrm>
-            <a:off x="609600" y="0"/>
-            <a:ext cx="10972800" cy="6858000"/>
+            <a:off x="5574258" y="2497976"/>
+            <a:ext cx="1043483" cy="1862048"/>
           </a:xfrm>
           <a:prstGeom prst="rect">
             <a:avLst/>
           </a:prstGeom>
+          <a:noFill/>
         </p:spPr>
-      </p:pic>
+        <p:txBody>
+          <a:bodyPr wrap="square" rtlCol="0">
+            <a:spAutoFit/>
+          </a:bodyPr>
+          <a:lstStyle/>
+          <a:p>
+            <a:r>
+              <a:rPr lang="en-US" sz="11500" dirty="0">
+                <a:solidFill>
+                  <a:schemeClr val="bg1"/>
+                </a:solidFill>
+                <a:latin typeface="Arial" panose="020B0604020202020204" pitchFamily="34" charset="0"/>
+                <a:cs typeface="Arial" panose="020B0604020202020204" pitchFamily="34" charset="0"/>
+              </a:rPr>
+              <a:t>+</a:t>
+            </a:r>
+          </a:p>
+        </p:txBody>
+      </p:sp>
     </p:spTree>
     <p:extLst>
       <p:ext uri="{BB962C8B-B14F-4D97-AF65-F5344CB8AC3E}">
-        <p14:creationId xmlns:p14="http://schemas.microsoft.com/office/powerpoint/2010/main" val="1368324528"/>
+        <p14:creationId xmlns:p14="http://schemas.microsoft.com/office/powerpoint/2010/main" val="2264765009"/>
       </p:ext>
     </p:extLst>
   </p:cSld>
@@ -4604,77 +5155,6 @@
       </p:grpSpPr>
       <p:sp>
         <p:nvSpPr>
-          <p:cNvPr id="2" name="TextBox 1">
-            <a:extLst>
-              <a:ext uri="{FF2B5EF4-FFF2-40B4-BE49-F238E27FC236}">
-                <a16:creationId xmlns:a16="http://schemas.microsoft.com/office/drawing/2014/main" id="{EF431EDF-338B-459C-A0D1-CA610995C1F2}"/>
-              </a:ext>
-            </a:extLst>
-          </p:cNvPr>
-          <p:cNvSpPr txBox="1"/>
-          <p:nvPr/>
-        </p:nvSpPr>
-        <p:spPr>
-          <a:xfrm>
-            <a:off x="5574258" y="2497976"/>
-            <a:ext cx="1043483" cy="1862048"/>
-          </a:xfrm>
-          <a:prstGeom prst="rect">
-            <a:avLst/>
-          </a:prstGeom>
-          <a:noFill/>
-        </p:spPr>
-        <p:txBody>
-          <a:bodyPr wrap="square" rtlCol="0">
-            <a:spAutoFit/>
-          </a:bodyPr>
-          <a:lstStyle/>
-          <a:p>
-            <a:r>
-              <a:rPr lang="en-US" sz="11500" dirty="0">
-                <a:solidFill>
-                  <a:schemeClr val="bg1"/>
-                </a:solidFill>
-                <a:latin typeface="Arial" panose="020B0604020202020204" pitchFamily="34" charset="0"/>
-                <a:cs typeface="Arial" panose="020B0604020202020204" pitchFamily="34" charset="0"/>
-              </a:rPr>
-              <a:t>+</a:t>
-            </a:r>
-          </a:p>
-        </p:txBody>
-      </p:sp>
-    </p:spTree>
-    <p:extLst>
-      <p:ext uri="{BB962C8B-B14F-4D97-AF65-F5344CB8AC3E}">
-        <p14:creationId xmlns:p14="http://schemas.microsoft.com/office/powerpoint/2010/main" val="2264765009"/>
-      </p:ext>
-    </p:extLst>
-  </p:cSld>
-  <p:clrMapOvr>
-    <a:masterClrMapping/>
-  </p:clrMapOvr>
-</p:sld>
-</file>
-
-<file path=ppt/slides/slide6.xml><?xml version="1.0" encoding="utf-8"?>
-<p:sld xmlns:a="http://schemas.openxmlformats.org/drawingml/2006/main" xmlns:r="http://schemas.openxmlformats.org/officeDocument/2006/relationships" xmlns:p="http://schemas.openxmlformats.org/presentationml/2006/main">
-  <p:cSld>
-    <p:spTree>
-      <p:nvGrpSpPr>
-        <p:cNvPr id="1" name=""/>
-        <p:cNvGrpSpPr/>
-        <p:nvPr/>
-      </p:nvGrpSpPr>
-      <p:grpSpPr>
-        <a:xfrm>
-          <a:off x="0" y="0"/>
-          <a:ext cx="0" cy="0"/>
-          <a:chOff x="0" y="0"/>
-          <a:chExt cx="0" cy="0"/>
-        </a:xfrm>
-      </p:grpSpPr>
-      <p:sp>
-        <p:nvSpPr>
           <p:cNvPr id="2" name="標題 1"/>
           <p:cNvSpPr>
             <a:spLocks noGrp="1"/>
@@ -4725,7 +5205,7 @@
 </p:sld>
 </file>
 
-<file path=ppt/slides/slide7.xml><?xml version="1.0" encoding="utf-8"?>
+<file path=ppt/slides/slide6.xml><?xml version="1.0" encoding="utf-8"?>
 <p:sld xmlns:a="http://schemas.openxmlformats.org/drawingml/2006/main" xmlns:r="http://schemas.openxmlformats.org/officeDocument/2006/relationships" xmlns:p="http://schemas.openxmlformats.org/presentationml/2006/main">
   <p:cSld>
     <p:spTree>
